--- a/doc/技术交流/2017-09-08医嘱/技术交流-2017-09-08.pptx
+++ b/doc/技术交流/2017-09-08医嘱/技术交流-2017-09-08.pptx
@@ -5,7 +5,7 @@
     <p:sldMasterId id="2147483660" r:id="rId2"/>
   </p:sldMasterIdLst>
   <p:notesMasterIdLst>
-    <p:notesMasterId r:id="rId10"/>
+    <p:notesMasterId r:id="rId16"/>
   </p:notesMasterIdLst>
   <p:sldIdLst>
     <p:sldId id="256" r:id="rId3"/>
@@ -15,6 +15,12 @@
     <p:sldId id="260" r:id="rId7"/>
     <p:sldId id="261" r:id="rId8"/>
     <p:sldId id="262" r:id="rId9"/>
+    <p:sldId id="263" r:id="rId10"/>
+    <p:sldId id="266" r:id="rId11"/>
+    <p:sldId id="264" r:id="rId12"/>
+    <p:sldId id="265" r:id="rId13"/>
+    <p:sldId id="267" r:id="rId14"/>
+    <p:sldId id="268" r:id="rId15"/>
   </p:sldIdLst>
   <p:sldSz cx="12192000" cy="6858000"/>
   <p:notesSz cx="6858000" cy="9144000"/>
@@ -125,6 +131,12 @@
             <p14:sldId id="260"/>
             <p14:sldId id="261"/>
             <p14:sldId id="262"/>
+            <p14:sldId id="263"/>
+            <p14:sldId id="266"/>
+            <p14:sldId id="264"/>
+            <p14:sldId id="265"/>
+            <p14:sldId id="267"/>
+            <p14:sldId id="268"/>
           </p14:sldIdLst>
         </p14:section>
         <p14:section name="设计、令人印象深刻、协作" id="{B9B51309-D148-4332-87C2-07BE32FBCA3B}">
@@ -4754,6 +4766,428 @@
 </p:sld>
 </file>
 
+<file path=ppt/slides/slide10.xml><?xml version="1.0" encoding="utf-8"?>
+<p:sld xmlns:a="http://schemas.openxmlformats.org/drawingml/2006/main" xmlns:r="http://schemas.openxmlformats.org/officeDocument/2006/relationships" xmlns:p="http://schemas.openxmlformats.org/presentationml/2006/main">
+  <p:cSld>
+    <p:spTree>
+      <p:nvGrpSpPr>
+        <p:cNvPr id="1" name=""/>
+        <p:cNvGrpSpPr/>
+        <p:nvPr/>
+      </p:nvGrpSpPr>
+      <p:grpSpPr>
+        <a:xfrm>
+          <a:off x="0" y="0"/>
+          <a:ext cx="0" cy="0"/>
+          <a:chOff x="0" y="0"/>
+          <a:chExt cx="0" cy="0"/>
+        </a:xfrm>
+      </p:grpSpPr>
+      <p:sp>
+        <p:nvSpPr>
+          <p:cNvPr id="2" name="标题 1"/>
+          <p:cNvSpPr>
+            <a:spLocks noGrp="1"/>
+          </p:cNvSpPr>
+          <p:nvPr>
+            <p:ph type="title"/>
+          </p:nvPr>
+        </p:nvSpPr>
+        <p:spPr/>
+        <p:txBody>
+          <a:bodyPr/>
+          <a:lstStyle/>
+          <a:p>
+            <a:r>
+              <a:rPr lang="zh-CN" altLang="en-US" dirty="0" smtClean="0"/>
+              <a:t>当前的医嘱类型和医嘱执行条目</a:t>
+            </a:r>
+            <a:endParaRPr lang="zh-CN" altLang="en-US" dirty="0"/>
+          </a:p>
+        </p:txBody>
+      </p:sp>
+      <p:pic>
+        <p:nvPicPr>
+          <p:cNvPr id="4" name="图片 3"/>
+          <p:cNvPicPr>
+            <a:picLocks noChangeAspect="1"/>
+          </p:cNvPicPr>
+          <p:nvPr/>
+        </p:nvPicPr>
+        <p:blipFill>
+          <a:blip r:embed="rId2"/>
+          <a:stretch>
+            <a:fillRect/>
+          </a:stretch>
+        </p:blipFill>
+        <p:spPr>
+          <a:xfrm>
+            <a:off x="1263781" y="2277940"/>
+            <a:ext cx="2485714" cy="1838095"/>
+          </a:xfrm>
+          <a:prstGeom prst="rect">
+            <a:avLst/>
+          </a:prstGeom>
+        </p:spPr>
+      </p:pic>
+      <p:pic>
+        <p:nvPicPr>
+          <p:cNvPr id="5" name="图片 4"/>
+          <p:cNvPicPr>
+            <a:picLocks noChangeAspect="1"/>
+          </p:cNvPicPr>
+          <p:nvPr/>
+        </p:nvPicPr>
+        <p:blipFill>
+          <a:blip r:embed="rId3"/>
+          <a:stretch>
+            <a:fillRect/>
+          </a:stretch>
+        </p:blipFill>
+        <p:spPr>
+          <a:xfrm>
+            <a:off x="6392104" y="2277940"/>
+            <a:ext cx="3038095" cy="3857143"/>
+          </a:xfrm>
+          <a:prstGeom prst="rect">
+            <a:avLst/>
+          </a:prstGeom>
+        </p:spPr>
+      </p:pic>
+    </p:spTree>
+    <p:extLst>
+      <p:ext uri="{BB962C8B-B14F-4D97-AF65-F5344CB8AC3E}">
+        <p14:creationId xmlns:p14="http://schemas.microsoft.com/office/powerpoint/2010/main" val="1219893876"/>
+      </p:ext>
+    </p:extLst>
+  </p:cSld>
+  <p:clrMapOvr>
+    <a:masterClrMapping/>
+  </p:clrMapOvr>
+</p:sld>
+</file>
+
+<file path=ppt/slides/slide11.xml><?xml version="1.0" encoding="utf-8"?>
+<p:sld xmlns:a="http://schemas.openxmlformats.org/drawingml/2006/main" xmlns:r="http://schemas.openxmlformats.org/officeDocument/2006/relationships" xmlns:p="http://schemas.openxmlformats.org/presentationml/2006/main">
+  <p:cSld>
+    <p:spTree>
+      <p:nvGrpSpPr>
+        <p:cNvPr id="1" name=""/>
+        <p:cNvGrpSpPr/>
+        <p:nvPr/>
+      </p:nvGrpSpPr>
+      <p:grpSpPr>
+        <a:xfrm>
+          <a:off x="0" y="0"/>
+          <a:ext cx="0" cy="0"/>
+          <a:chOff x="0" y="0"/>
+          <a:chExt cx="0" cy="0"/>
+        </a:xfrm>
+      </p:grpSpPr>
+      <p:sp>
+        <p:nvSpPr>
+          <p:cNvPr id="2" name="标题 1"/>
+          <p:cNvSpPr>
+            <a:spLocks noGrp="1"/>
+          </p:cNvSpPr>
+          <p:nvPr>
+            <p:ph type="title"/>
+          </p:nvPr>
+        </p:nvSpPr>
+        <p:spPr/>
+        <p:txBody>
+          <a:bodyPr/>
+          <a:lstStyle/>
+          <a:p>
+            <a:r>
+              <a:rPr lang="zh-CN" altLang="en-US" dirty="0"/>
+              <a:t>那</a:t>
+            </a:r>
+            <a:r>
+              <a:rPr lang="zh-CN" altLang="en-US" dirty="0" smtClean="0"/>
+              <a:t>些隐藏在后面的骨骼</a:t>
+            </a:r>
+            <a:endParaRPr lang="zh-CN" altLang="en-US" dirty="0"/>
+          </a:p>
+        </p:txBody>
+      </p:sp>
+      <p:pic>
+        <p:nvPicPr>
+          <p:cNvPr id="5" name="图片 4"/>
+          <p:cNvPicPr>
+            <a:picLocks noChangeAspect="1"/>
+          </p:cNvPicPr>
+          <p:nvPr/>
+        </p:nvPicPr>
+        <p:blipFill>
+          <a:blip r:embed="rId2"/>
+          <a:stretch>
+            <a:fillRect/>
+          </a:stretch>
+        </p:blipFill>
+        <p:spPr>
+          <a:xfrm>
+            <a:off x="-289290" y="1435664"/>
+            <a:ext cx="12536813" cy="5422336"/>
+          </a:xfrm>
+          <a:prstGeom prst="rect">
+            <a:avLst/>
+          </a:prstGeom>
+        </p:spPr>
+      </p:pic>
+    </p:spTree>
+    <p:extLst>
+      <p:ext uri="{BB962C8B-B14F-4D97-AF65-F5344CB8AC3E}">
+        <p14:creationId xmlns:p14="http://schemas.microsoft.com/office/powerpoint/2010/main" val="3485044422"/>
+      </p:ext>
+    </p:extLst>
+  </p:cSld>
+  <p:clrMapOvr>
+    <a:masterClrMapping/>
+  </p:clrMapOvr>
+</p:sld>
+</file>
+
+<file path=ppt/slides/slide12.xml><?xml version="1.0" encoding="utf-8"?>
+<p:sld xmlns:a="http://schemas.openxmlformats.org/drawingml/2006/main" xmlns:r="http://schemas.openxmlformats.org/officeDocument/2006/relationships" xmlns:p="http://schemas.openxmlformats.org/presentationml/2006/main">
+  <p:cSld>
+    <p:spTree>
+      <p:nvGrpSpPr>
+        <p:cNvPr id="1" name=""/>
+        <p:cNvGrpSpPr/>
+        <p:nvPr/>
+      </p:nvGrpSpPr>
+      <p:grpSpPr>
+        <a:xfrm>
+          <a:off x="0" y="0"/>
+          <a:ext cx="0" cy="0"/>
+          <a:chOff x="0" y="0"/>
+          <a:chExt cx="0" cy="0"/>
+        </a:xfrm>
+      </p:grpSpPr>
+      <p:sp>
+        <p:nvSpPr>
+          <p:cNvPr id="2" name="标题 1"/>
+          <p:cNvSpPr>
+            <a:spLocks noGrp="1"/>
+          </p:cNvSpPr>
+          <p:nvPr>
+            <p:ph type="title"/>
+          </p:nvPr>
+        </p:nvSpPr>
+        <p:spPr/>
+        <p:txBody>
+          <a:bodyPr/>
+          <a:lstStyle/>
+          <a:p>
+            <a:r>
+              <a:rPr lang="zh-CN" altLang="en-US" dirty="0" smtClean="0"/>
+              <a:t>最新的手术医嘱的构建过程</a:t>
+            </a:r>
+            <a:r>
+              <a:rPr lang="en-US" altLang="zh-CN" dirty="0" smtClean="0"/>
+              <a:t>-</a:t>
+            </a:r>
+            <a:r>
+              <a:rPr lang="zh-CN" altLang="en-US" dirty="0" smtClean="0"/>
+              <a:t>流程的描述</a:t>
+            </a:r>
+            <a:endParaRPr lang="zh-CN" altLang="en-US" dirty="0"/>
+          </a:p>
+        </p:txBody>
+      </p:sp>
+      <p:pic>
+        <p:nvPicPr>
+          <p:cNvPr id="4" name="图片 3"/>
+          <p:cNvPicPr>
+            <a:picLocks noChangeAspect="1"/>
+          </p:cNvPicPr>
+          <p:nvPr/>
+        </p:nvPicPr>
+        <p:blipFill>
+          <a:blip r:embed="rId2"/>
+          <a:stretch>
+            <a:fillRect/>
+          </a:stretch>
+        </p:blipFill>
+        <p:spPr>
+          <a:xfrm>
+            <a:off x="3175397" y="1542661"/>
+            <a:ext cx="5993606" cy="4306078"/>
+          </a:xfrm>
+          <a:prstGeom prst="rect">
+            <a:avLst/>
+          </a:prstGeom>
+        </p:spPr>
+      </p:pic>
+    </p:spTree>
+    <p:extLst>
+      <p:ext uri="{BB962C8B-B14F-4D97-AF65-F5344CB8AC3E}">
+        <p14:creationId xmlns:p14="http://schemas.microsoft.com/office/powerpoint/2010/main" val="28245835"/>
+      </p:ext>
+    </p:extLst>
+  </p:cSld>
+  <p:clrMapOvr>
+    <a:masterClrMapping/>
+  </p:clrMapOvr>
+</p:sld>
+</file>
+
+<file path=ppt/slides/slide13.xml><?xml version="1.0" encoding="utf-8"?>
+<p:sld xmlns:a="http://schemas.openxmlformats.org/drawingml/2006/main" xmlns:r="http://schemas.openxmlformats.org/officeDocument/2006/relationships" xmlns:p="http://schemas.openxmlformats.org/presentationml/2006/main">
+  <p:cSld>
+    <p:spTree>
+      <p:nvGrpSpPr>
+        <p:cNvPr id="1" name=""/>
+        <p:cNvGrpSpPr/>
+        <p:nvPr/>
+      </p:nvGrpSpPr>
+      <p:grpSpPr>
+        <a:xfrm>
+          <a:off x="0" y="0"/>
+          <a:ext cx="0" cy="0"/>
+          <a:chOff x="0" y="0"/>
+          <a:chExt cx="0" cy="0"/>
+        </a:xfrm>
+      </p:grpSpPr>
+      <p:sp>
+        <p:nvSpPr>
+          <p:cNvPr id="2" name="标题 1"/>
+          <p:cNvSpPr>
+            <a:spLocks noGrp="1"/>
+          </p:cNvSpPr>
+          <p:nvPr>
+            <p:ph type="title"/>
+          </p:nvPr>
+        </p:nvSpPr>
+        <p:spPr/>
+        <p:txBody>
+          <a:bodyPr/>
+          <a:lstStyle/>
+          <a:p>
+            <a:r>
+              <a:rPr lang="zh-CN" altLang="en-US" dirty="0"/>
+              <a:t>最新的手术医嘱的构建过程</a:t>
+            </a:r>
+            <a:r>
+              <a:rPr lang="en-US" altLang="zh-CN" dirty="0" smtClean="0"/>
+              <a:t>-</a:t>
+            </a:r>
+            <a:r>
+              <a:rPr lang="zh-CN" altLang="en-US" dirty="0" smtClean="0"/>
+              <a:t>用例的补充</a:t>
+            </a:r>
+            <a:endParaRPr lang="zh-CN" altLang="en-US" dirty="0"/>
+          </a:p>
+        </p:txBody>
+      </p:sp>
+      <p:pic>
+        <p:nvPicPr>
+          <p:cNvPr id="5" name="图片 4"/>
+          <p:cNvPicPr>
+            <a:picLocks noChangeAspect="1"/>
+          </p:cNvPicPr>
+          <p:nvPr/>
+        </p:nvPicPr>
+        <p:blipFill>
+          <a:blip r:embed="rId2"/>
+          <a:stretch>
+            <a:fillRect/>
+          </a:stretch>
+        </p:blipFill>
+        <p:spPr>
+          <a:xfrm>
+            <a:off x="5979117" y="3233386"/>
+            <a:ext cx="3754147" cy="1038000"/>
+          </a:xfrm>
+          <a:prstGeom prst="rect">
+            <a:avLst/>
+          </a:prstGeom>
+        </p:spPr>
+      </p:pic>
+      <p:pic>
+        <p:nvPicPr>
+          <p:cNvPr id="7" name="图片 6"/>
+          <p:cNvPicPr>
+            <a:picLocks noChangeAspect="1"/>
+          </p:cNvPicPr>
+          <p:nvPr/>
+        </p:nvPicPr>
+        <p:blipFill>
+          <a:blip r:embed="rId3"/>
+          <a:stretch>
+            <a:fillRect/>
+          </a:stretch>
+        </p:blipFill>
+        <p:spPr>
+          <a:xfrm>
+            <a:off x="1700400" y="1885176"/>
+            <a:ext cx="3876299" cy="4192547"/>
+          </a:xfrm>
+          <a:prstGeom prst="rect">
+            <a:avLst/>
+          </a:prstGeom>
+        </p:spPr>
+      </p:pic>
+      <p:sp>
+        <p:nvSpPr>
+          <p:cNvPr id="8" name="矩形 7"/>
+          <p:cNvSpPr/>
+          <p:nvPr/>
+        </p:nvSpPr>
+        <p:spPr>
+          <a:xfrm>
+            <a:off x="6191250" y="2552700"/>
+            <a:ext cx="3886200" cy="2057400"/>
+          </a:xfrm>
+          <a:prstGeom prst="rect">
+            <a:avLst/>
+          </a:prstGeom>
+          <a:noFill/>
+          <a:ln>
+            <a:solidFill>
+              <a:srgbClr val="FF0000"/>
+            </a:solidFill>
+          </a:ln>
+        </p:spPr>
+        <p:style>
+          <a:lnRef idx="2">
+            <a:schemeClr val="accent1">
+              <a:shade val="50000"/>
+            </a:schemeClr>
+          </a:lnRef>
+          <a:fillRef idx="1">
+            <a:schemeClr val="accent1"/>
+          </a:fillRef>
+          <a:effectRef idx="0">
+            <a:schemeClr val="accent1"/>
+          </a:effectRef>
+          <a:fontRef idx="minor">
+            <a:schemeClr val="lt1"/>
+          </a:fontRef>
+        </p:style>
+        <p:txBody>
+          <a:bodyPr rtlCol="0" anchor="ctr"/>
+          <a:lstStyle/>
+          <a:p>
+            <a:pPr algn="ctr"/>
+            <a:endParaRPr lang="zh-CN" altLang="en-US"/>
+          </a:p>
+        </p:txBody>
+      </p:sp>
+    </p:spTree>
+    <p:extLst>
+      <p:ext uri="{BB962C8B-B14F-4D97-AF65-F5344CB8AC3E}">
+        <p14:creationId xmlns:p14="http://schemas.microsoft.com/office/powerpoint/2010/main" val="3398624958"/>
+      </p:ext>
+    </p:extLst>
+  </p:cSld>
+  <p:clrMapOvr>
+    <a:masterClrMapping/>
+  </p:clrMapOvr>
+</p:sld>
+</file>
+
 <file path=ppt/slides/slide2.xml><?xml version="1.0" encoding="utf-8"?>
 <p:sld xmlns:a="http://schemas.openxmlformats.org/drawingml/2006/main" xmlns:r="http://schemas.openxmlformats.org/officeDocument/2006/relationships" xmlns:p="http://schemas.openxmlformats.org/presentationml/2006/main">
   <p:cSld>
@@ -5216,13 +5650,13 @@
           <p:nvPr>
             <p:extLst>
               <p:ext uri="{D42A27DB-BD31-4B8C-83A1-F6EECF244321}">
-                <p14:modId xmlns:p14="http://schemas.microsoft.com/office/powerpoint/2010/main" val="3505337020"/>
+                <p14:modId xmlns:p14="http://schemas.microsoft.com/office/powerpoint/2010/main" val="1146141326"/>
               </p:ext>
             </p:extLst>
           </p:nvPr>
         </p:nvGraphicFramePr>
         <p:xfrm>
-          <a:off x="1743074" y="1801104"/>
+          <a:off x="2179803" y="2046763"/>
           <a:ext cx="7800976" cy="3821751"/>
         </p:xfrm>
         <a:graphic>
@@ -6391,6 +6825,254 @@
 </p:sld>
 </file>
 
+<file path=ppt/slides/slide8.xml><?xml version="1.0" encoding="utf-8"?>
+<p:sld xmlns:a="http://schemas.openxmlformats.org/drawingml/2006/main" xmlns:r="http://schemas.openxmlformats.org/officeDocument/2006/relationships" xmlns:p="http://schemas.openxmlformats.org/presentationml/2006/main">
+  <p:cSld>
+    <p:spTree>
+      <p:nvGrpSpPr>
+        <p:cNvPr id="1" name=""/>
+        <p:cNvGrpSpPr/>
+        <p:nvPr/>
+      </p:nvGrpSpPr>
+      <p:grpSpPr>
+        <a:xfrm>
+          <a:off x="0" y="0"/>
+          <a:ext cx="0" cy="0"/>
+          <a:chOff x="0" y="0"/>
+          <a:chExt cx="0" cy="0"/>
+        </a:xfrm>
+      </p:grpSpPr>
+      <p:sp>
+        <p:nvSpPr>
+          <p:cNvPr id="2" name="标题 1"/>
+          <p:cNvSpPr>
+            <a:spLocks noGrp="1"/>
+          </p:cNvSpPr>
+          <p:nvPr>
+            <p:ph type="title"/>
+          </p:nvPr>
+        </p:nvSpPr>
+        <p:spPr/>
+        <p:txBody>
+          <a:bodyPr/>
+          <a:lstStyle/>
+          <a:p>
+            <a:r>
+              <a:rPr lang="zh-CN" altLang="en-US" dirty="0" smtClean="0"/>
+              <a:t>医嘱的执行</a:t>
+            </a:r>
+            <a:endParaRPr lang="zh-CN" altLang="en-US" dirty="0"/>
+          </a:p>
+        </p:txBody>
+      </p:sp>
+      <p:pic>
+        <p:nvPicPr>
+          <p:cNvPr id="4" name="图片 3"/>
+          <p:cNvPicPr>
+            <a:picLocks noChangeAspect="1"/>
+          </p:cNvPicPr>
+          <p:nvPr/>
+        </p:nvPicPr>
+        <p:blipFill>
+          <a:blip r:embed="rId2"/>
+          <a:stretch>
+            <a:fillRect/>
+          </a:stretch>
+        </p:blipFill>
+        <p:spPr>
+          <a:xfrm>
+            <a:off x="1607398" y="1998205"/>
+            <a:ext cx="7371428" cy="742857"/>
+          </a:xfrm>
+          <a:prstGeom prst="rect">
+            <a:avLst/>
+          </a:prstGeom>
+        </p:spPr>
+      </p:pic>
+      <p:pic>
+        <p:nvPicPr>
+          <p:cNvPr id="5" name="图片 4"/>
+          <p:cNvPicPr>
+            <a:picLocks noChangeAspect="1"/>
+          </p:cNvPicPr>
+          <p:nvPr/>
+        </p:nvPicPr>
+        <p:blipFill>
+          <a:blip r:embed="rId3"/>
+          <a:stretch>
+            <a:fillRect/>
+          </a:stretch>
+        </p:blipFill>
+        <p:spPr>
+          <a:xfrm>
+            <a:off x="1802926" y="2741062"/>
+            <a:ext cx="8352381" cy="2371429"/>
+          </a:xfrm>
+          <a:prstGeom prst="rect">
+            <a:avLst/>
+          </a:prstGeom>
+        </p:spPr>
+      </p:pic>
+      <p:pic>
+        <p:nvPicPr>
+          <p:cNvPr id="6" name="图片 5"/>
+          <p:cNvPicPr>
+            <a:picLocks noChangeAspect="1"/>
+          </p:cNvPicPr>
+          <p:nvPr/>
+        </p:nvPicPr>
+        <p:blipFill>
+          <a:blip r:embed="rId4"/>
+          <a:stretch>
+            <a:fillRect/>
+          </a:stretch>
+        </p:blipFill>
+        <p:spPr>
+          <a:xfrm>
+            <a:off x="1588640" y="5380401"/>
+            <a:ext cx="428571" cy="390476"/>
+          </a:xfrm>
+          <a:prstGeom prst="rect">
+            <a:avLst/>
+          </a:prstGeom>
+        </p:spPr>
+      </p:pic>
+      <p:sp>
+        <p:nvSpPr>
+          <p:cNvPr id="7" name="矩形 6"/>
+          <p:cNvSpPr/>
+          <p:nvPr/>
+        </p:nvSpPr>
+        <p:spPr>
+          <a:xfrm>
+            <a:off x="2017211" y="3445727"/>
+            <a:ext cx="7807013" cy="1427356"/>
+          </a:xfrm>
+          <a:prstGeom prst="rect">
+            <a:avLst/>
+          </a:prstGeom>
+          <a:noFill/>
+          <a:ln>
+            <a:solidFill>
+              <a:srgbClr val="FF0000"/>
+            </a:solidFill>
+          </a:ln>
+        </p:spPr>
+        <p:style>
+          <a:lnRef idx="2">
+            <a:schemeClr val="accent1">
+              <a:shade val="50000"/>
+            </a:schemeClr>
+          </a:lnRef>
+          <a:fillRef idx="1">
+            <a:schemeClr val="accent1"/>
+          </a:fillRef>
+          <a:effectRef idx="0">
+            <a:schemeClr val="accent1"/>
+          </a:effectRef>
+          <a:fontRef idx="minor">
+            <a:schemeClr val="lt1"/>
+          </a:fontRef>
+        </p:style>
+        <p:txBody>
+          <a:bodyPr rtlCol="0" anchor="ctr"/>
+          <a:lstStyle/>
+          <a:p>
+            <a:pPr algn="ctr"/>
+            <a:endParaRPr lang="zh-CN" altLang="en-US"/>
+          </a:p>
+        </p:txBody>
+      </p:sp>
+    </p:spTree>
+    <p:extLst>
+      <p:ext uri="{BB962C8B-B14F-4D97-AF65-F5344CB8AC3E}">
+        <p14:creationId xmlns:p14="http://schemas.microsoft.com/office/powerpoint/2010/main" val="45586782"/>
+      </p:ext>
+    </p:extLst>
+  </p:cSld>
+  <p:clrMapOvr>
+    <a:masterClrMapping/>
+  </p:clrMapOvr>
+</p:sld>
+</file>
+
+<file path=ppt/slides/slide9.xml><?xml version="1.0" encoding="utf-8"?>
+<p:sld xmlns:a="http://schemas.openxmlformats.org/drawingml/2006/main" xmlns:r="http://schemas.openxmlformats.org/officeDocument/2006/relationships" xmlns:p="http://schemas.openxmlformats.org/presentationml/2006/main">
+  <p:cSld>
+    <p:spTree>
+      <p:nvGrpSpPr>
+        <p:cNvPr id="1" name=""/>
+        <p:cNvGrpSpPr/>
+        <p:nvPr/>
+      </p:nvGrpSpPr>
+      <p:grpSpPr>
+        <a:xfrm>
+          <a:off x="0" y="0"/>
+          <a:ext cx="0" cy="0"/>
+          <a:chOff x="0" y="0"/>
+          <a:chExt cx="0" cy="0"/>
+        </a:xfrm>
+      </p:grpSpPr>
+      <p:sp>
+        <p:nvSpPr>
+          <p:cNvPr id="2" name="标题 1"/>
+          <p:cNvSpPr>
+            <a:spLocks noGrp="1"/>
+          </p:cNvSpPr>
+          <p:nvPr>
+            <p:ph type="title"/>
+          </p:nvPr>
+        </p:nvSpPr>
+        <p:spPr/>
+        <p:txBody>
+          <a:bodyPr/>
+          <a:lstStyle/>
+          <a:p>
+            <a:r>
+              <a:rPr lang="zh-CN" altLang="en-US" dirty="0" smtClean="0"/>
+              <a:t>医嘱与计费</a:t>
+            </a:r>
+            <a:endParaRPr lang="zh-CN" altLang="en-US" dirty="0"/>
+          </a:p>
+        </p:txBody>
+      </p:sp>
+      <p:pic>
+        <p:nvPicPr>
+          <p:cNvPr id="7" name="图片 6"/>
+          <p:cNvPicPr>
+            <a:picLocks noChangeAspect="1"/>
+          </p:cNvPicPr>
+          <p:nvPr/>
+        </p:nvPicPr>
+        <p:blipFill>
+          <a:blip r:embed="rId2"/>
+          <a:stretch>
+            <a:fillRect/>
+          </a:stretch>
+        </p:blipFill>
+        <p:spPr>
+          <a:xfrm>
+            <a:off x="2386514" y="2019553"/>
+            <a:ext cx="8028571" cy="4057143"/>
+          </a:xfrm>
+          <a:prstGeom prst="rect">
+            <a:avLst/>
+          </a:prstGeom>
+        </p:spPr>
+      </p:pic>
+    </p:spTree>
+    <p:extLst>
+      <p:ext uri="{BB962C8B-B14F-4D97-AF65-F5344CB8AC3E}">
+        <p14:creationId xmlns:p14="http://schemas.microsoft.com/office/powerpoint/2010/main" val="1426706722"/>
+      </p:ext>
+    </p:extLst>
+  </p:cSld>
+  <p:clrMapOvr>
+    <a:masterClrMapping/>
+  </p:clrMapOvr>
+</p:sld>
+</file>
+
 <file path=ppt/theme/theme1.xml><?xml version="1.0" encoding="utf-8"?>
 <a:theme xmlns:a="http://schemas.openxmlformats.org/drawingml/2006/main" name="WelcomeDoc">
   <a:themeElements>

--- a/doc/技术交流/2017-09-08医嘱/技术交流-2017-09-08.pptx
+++ b/doc/技术交流/2017-09-08医嘱/技术交流-2017-09-08.pptx
@@ -5,7 +5,7 @@
     <p:sldMasterId id="2147483660" r:id="rId2"/>
   </p:sldMasterIdLst>
   <p:notesMasterIdLst>
-    <p:notesMasterId r:id="rId16"/>
+    <p:notesMasterId r:id="rId18"/>
   </p:notesMasterIdLst>
   <p:sldIdLst>
     <p:sldId id="256" r:id="rId3"/>
@@ -21,6 +21,8 @@
     <p:sldId id="265" r:id="rId13"/>
     <p:sldId id="267" r:id="rId14"/>
     <p:sldId id="268" r:id="rId15"/>
+    <p:sldId id="269" r:id="rId16"/>
+    <p:sldId id="270" r:id="rId17"/>
   </p:sldIdLst>
   <p:sldSz cx="12192000" cy="6858000"/>
   <p:notesSz cx="6858000" cy="9144000"/>
@@ -137,6 +139,8 @@
             <p14:sldId id="265"/>
             <p14:sldId id="267"/>
             <p14:sldId id="268"/>
+            <p14:sldId id="269"/>
+            <p14:sldId id="270"/>
           </p14:sldIdLst>
         </p14:section>
         <p14:section name="设计、令人印象深刻、协作" id="{B9B51309-D148-4332-87C2-07BE32FBCA3B}">
@@ -5188,6 +5192,263 @@
 </p:sld>
 </file>
 
+<file path=ppt/slides/slide14.xml><?xml version="1.0" encoding="utf-8"?>
+<p:sld xmlns:a="http://schemas.openxmlformats.org/drawingml/2006/main" xmlns:r="http://schemas.openxmlformats.org/officeDocument/2006/relationships" xmlns:p="http://schemas.openxmlformats.org/presentationml/2006/main">
+  <p:cSld>
+    <p:spTree>
+      <p:nvGrpSpPr>
+        <p:cNvPr id="1" name=""/>
+        <p:cNvGrpSpPr/>
+        <p:nvPr/>
+      </p:nvGrpSpPr>
+      <p:grpSpPr>
+        <a:xfrm>
+          <a:off x="0" y="0"/>
+          <a:ext cx="0" cy="0"/>
+          <a:chOff x="0" y="0"/>
+          <a:chExt cx="0" cy="0"/>
+        </a:xfrm>
+      </p:grpSpPr>
+      <p:sp>
+        <p:nvSpPr>
+          <p:cNvPr id="2" name="标题 1"/>
+          <p:cNvSpPr>
+            <a:spLocks noGrp="1"/>
+          </p:cNvSpPr>
+          <p:nvPr>
+            <p:ph type="title"/>
+          </p:nvPr>
+        </p:nvSpPr>
+        <p:spPr/>
+        <p:txBody>
+          <a:bodyPr/>
+          <a:lstStyle/>
+          <a:p>
+            <a:r>
+              <a:rPr lang="zh-CN" altLang="en-US" dirty="0"/>
+              <a:t>最新的手术医嘱的构建过程</a:t>
+            </a:r>
+            <a:r>
+              <a:rPr lang="en-US" altLang="zh-CN" dirty="0" smtClean="0"/>
+              <a:t>-</a:t>
+            </a:r>
+            <a:r>
+              <a:rPr lang="zh-CN" altLang="en-US" dirty="0" smtClean="0"/>
+              <a:t>主要的概念</a:t>
+            </a:r>
+            <a:endParaRPr lang="zh-CN" altLang="en-US" dirty="0"/>
+          </a:p>
+        </p:txBody>
+      </p:sp>
+      <p:pic>
+        <p:nvPicPr>
+          <p:cNvPr id="4" name="图片 3"/>
+          <p:cNvPicPr>
+            <a:picLocks noChangeAspect="1"/>
+          </p:cNvPicPr>
+          <p:nvPr/>
+        </p:nvPicPr>
+        <p:blipFill>
+          <a:blip r:embed="rId2"/>
+          <a:stretch>
+            <a:fillRect/>
+          </a:stretch>
+        </p:blipFill>
+        <p:spPr>
+          <a:xfrm>
+            <a:off x="2303021" y="1687553"/>
+            <a:ext cx="6180906" cy="4598016"/>
+          </a:xfrm>
+          <a:prstGeom prst="rect">
+            <a:avLst/>
+          </a:prstGeom>
+        </p:spPr>
+      </p:pic>
+      <p:sp>
+        <p:nvSpPr>
+          <p:cNvPr id="5" name="矩形 4"/>
+          <p:cNvSpPr/>
+          <p:nvPr/>
+        </p:nvSpPr>
+        <p:spPr>
+          <a:xfrm>
+            <a:off x="6325065" y="3021052"/>
+            <a:ext cx="2292677" cy="313163"/>
+          </a:xfrm>
+          <a:prstGeom prst="rect">
+            <a:avLst/>
+          </a:prstGeom>
+          <a:noFill/>
+          <a:ln>
+            <a:solidFill>
+              <a:srgbClr val="FFC000"/>
+            </a:solidFill>
+          </a:ln>
+        </p:spPr>
+        <p:style>
+          <a:lnRef idx="2">
+            <a:schemeClr val="accent1">
+              <a:shade val="50000"/>
+            </a:schemeClr>
+          </a:lnRef>
+          <a:fillRef idx="1">
+            <a:schemeClr val="accent1"/>
+          </a:fillRef>
+          <a:effectRef idx="0">
+            <a:schemeClr val="accent1"/>
+          </a:effectRef>
+          <a:fontRef idx="minor">
+            <a:schemeClr val="lt1"/>
+          </a:fontRef>
+        </p:style>
+        <p:txBody>
+          <a:bodyPr rtlCol="0" anchor="ctr"/>
+          <a:lstStyle/>
+          <a:p>
+            <a:pPr algn="ctr"/>
+            <a:endParaRPr lang="zh-CN" altLang="en-US"/>
+          </a:p>
+        </p:txBody>
+      </p:sp>
+      <p:sp>
+        <p:nvSpPr>
+          <p:cNvPr id="6" name="文本框 5"/>
+          <p:cNvSpPr txBox="1"/>
+          <p:nvPr/>
+        </p:nvSpPr>
+        <p:spPr>
+          <a:xfrm>
+            <a:off x="8820615" y="3039133"/>
+            <a:ext cx="1107996" cy="276999"/>
+          </a:xfrm>
+          <a:prstGeom prst="rect">
+            <a:avLst/>
+          </a:prstGeom>
+          <a:noFill/>
+        </p:spPr>
+        <p:txBody>
+          <a:bodyPr wrap="none" rtlCol="0">
+            <a:spAutoFit/>
+          </a:bodyPr>
+          <a:lstStyle/>
+          <a:p>
+            <a:r>
+              <a:rPr lang="zh-CN" altLang="en-US" sz="1200" dirty="0" smtClean="0">
+                <a:solidFill>
+                  <a:schemeClr val="bg1">
+                    <a:lumMod val="65000"/>
+                  </a:schemeClr>
+                </a:solidFill>
+              </a:rPr>
+              <a:t>增加一个状态</a:t>
+            </a:r>
+            <a:endParaRPr lang="zh-CN" altLang="en-US" dirty="0">
+              <a:solidFill>
+                <a:schemeClr val="bg1">
+                  <a:lumMod val="65000"/>
+                </a:schemeClr>
+              </a:solidFill>
+            </a:endParaRPr>
+          </a:p>
+        </p:txBody>
+      </p:sp>
+    </p:spTree>
+    <p:extLst>
+      <p:ext uri="{BB962C8B-B14F-4D97-AF65-F5344CB8AC3E}">
+        <p14:creationId xmlns:p14="http://schemas.microsoft.com/office/powerpoint/2010/main" val="1191371005"/>
+      </p:ext>
+    </p:extLst>
+  </p:cSld>
+  <p:clrMapOvr>
+    <a:masterClrMapping/>
+  </p:clrMapOvr>
+</p:sld>
+</file>
+
+<file path=ppt/slides/slide15.xml><?xml version="1.0" encoding="utf-8"?>
+<p:sld xmlns:a="http://schemas.openxmlformats.org/drawingml/2006/main" xmlns:r="http://schemas.openxmlformats.org/officeDocument/2006/relationships" xmlns:p="http://schemas.openxmlformats.org/presentationml/2006/main">
+  <p:cSld>
+    <p:spTree>
+      <p:nvGrpSpPr>
+        <p:cNvPr id="1" name=""/>
+        <p:cNvGrpSpPr/>
+        <p:nvPr/>
+      </p:nvGrpSpPr>
+      <p:grpSpPr>
+        <a:xfrm>
+          <a:off x="0" y="0"/>
+          <a:ext cx="0" cy="0"/>
+          <a:chOff x="0" y="0"/>
+          <a:chExt cx="0" cy="0"/>
+        </a:xfrm>
+      </p:grpSpPr>
+      <p:sp>
+        <p:nvSpPr>
+          <p:cNvPr id="2" name="标题 1"/>
+          <p:cNvSpPr>
+            <a:spLocks noGrp="1"/>
+          </p:cNvSpPr>
+          <p:nvPr>
+            <p:ph type="title"/>
+          </p:nvPr>
+        </p:nvSpPr>
+        <p:spPr/>
+        <p:txBody>
+          <a:bodyPr/>
+          <a:lstStyle/>
+          <a:p>
+            <a:r>
+              <a:rPr lang="zh-CN" altLang="en-US" dirty="0"/>
+              <a:t>最新的手术医嘱的构建过程</a:t>
+            </a:r>
+            <a:r>
+              <a:rPr lang="en-US" altLang="zh-CN" dirty="0" smtClean="0"/>
+              <a:t>-</a:t>
+            </a:r>
+            <a:r>
+              <a:rPr lang="zh-CN" altLang="en-US" dirty="0"/>
+              <a:t>代码</a:t>
+            </a:r>
+          </a:p>
+        </p:txBody>
+      </p:sp>
+      <p:pic>
+        <p:nvPicPr>
+          <p:cNvPr id="5" name="图片 4"/>
+          <p:cNvPicPr>
+            <a:picLocks noChangeAspect="1"/>
+          </p:cNvPicPr>
+          <p:nvPr/>
+        </p:nvPicPr>
+        <p:blipFill>
+          <a:blip r:embed="rId2"/>
+          <a:stretch>
+            <a:fillRect/>
+          </a:stretch>
+        </p:blipFill>
+        <p:spPr>
+          <a:xfrm>
+            <a:off x="4361049" y="2056160"/>
+            <a:ext cx="3742857" cy="4028571"/>
+          </a:xfrm>
+          <a:prstGeom prst="rect">
+            <a:avLst/>
+          </a:prstGeom>
+        </p:spPr>
+      </p:pic>
+    </p:spTree>
+    <p:extLst>
+      <p:ext uri="{BB962C8B-B14F-4D97-AF65-F5344CB8AC3E}">
+        <p14:creationId xmlns:p14="http://schemas.microsoft.com/office/powerpoint/2010/main" val="3685167486"/>
+      </p:ext>
+    </p:extLst>
+  </p:cSld>
+  <p:clrMapOvr>
+    <a:masterClrMapping/>
+  </p:clrMapOvr>
+</p:sld>
+</file>
+
 <file path=ppt/slides/slide2.xml><?xml version="1.0" encoding="utf-8"?>
 <p:sld xmlns:a="http://schemas.openxmlformats.org/drawingml/2006/main" xmlns:r="http://schemas.openxmlformats.org/officeDocument/2006/relationships" xmlns:p="http://schemas.openxmlformats.org/presentationml/2006/main">
   <p:cSld>
@@ -5336,7 +5597,7 @@
         </p:blipFill>
         <p:spPr>
           <a:xfrm>
-            <a:off x="481920" y="1645104"/>
+            <a:off x="494620" y="1348568"/>
             <a:ext cx="11344275" cy="5657850"/>
           </a:xfrm>
           <a:prstGeom prst="rect">
@@ -5849,19 +6110,7 @@
                           <a:ea typeface="+mn-ea"/>
                           <a:cs typeface="+mn-cs"/>
                         </a:rPr>
-                        <a:t>预</a:t>
-                      </a:r>
-                      <a:r>
-                        <a:rPr lang="zh-CN" altLang="en-US" sz="1050" u="none" strike="noStrike" kern="1200" dirty="0" smtClean="0">
-                          <a:solidFill>
-                            <a:schemeClr val="dk1"/>
-                          </a:solidFill>
-                          <a:effectLst/>
-                          <a:latin typeface="+mn-lt"/>
-                          <a:ea typeface="+mn-ea"/>
-                          <a:cs typeface="+mn-cs"/>
-                        </a:rPr>
-                        <a:t>存住院费执行条目</a:t>
+                        <a:t>预存住院费执行条目</a:t>
                       </a:r>
                       <a:endParaRPr lang="zh-CN" altLang="en-US" sz="1050" u="none" strike="noStrike" kern="1200" dirty="0">
                         <a:solidFill>
@@ -5886,13 +6135,7 @@
                         <a:rPr lang="zh-CN" altLang="en-US" sz="1050" u="none" strike="noStrike" dirty="0" smtClean="0">
                           <a:effectLst/>
                         </a:rPr>
-                        <a:t>接诊</a:t>
-                      </a:r>
-                      <a:r>
-                        <a:rPr lang="zh-CN" altLang="en-US" sz="1050" u="none" strike="noStrike" dirty="0" smtClean="0">
-                          <a:effectLst/>
-                        </a:rPr>
-                        <a:t>执行条目</a:t>
+                        <a:t>接诊执行条目</a:t>
                       </a:r>
                       <a:endParaRPr lang="zh-CN" altLang="en-US" sz="1050" b="0" i="0" u="none" strike="noStrike" dirty="0">
                         <a:solidFill>
